--- a/CMP2204 Project.pptx
+++ b/CMP2204 Project.pptx
@@ -11716,53 +11716,12 @@
           <a:chExt cx="0" cy="0"/>
         </a:xfrm>
       </p:grpSpPr>
-      <p:sp>
-        <p:nvSpPr>
-          <p:cNvPr id="17" name="TextBox 16">
+      <p:pic>
+        <p:nvPicPr>
+          <p:cNvPr id="5" name="Picture 4">
             <a:extLst>
               <a:ext uri="{FF2B5EF4-FFF2-40B4-BE49-F238E27FC236}">
-                <a16:creationId xmlns:a16="http://schemas.microsoft.com/office/drawing/2014/main" id="{46258BF4-9BF1-965C-C3C5-A1826DB4D9EB}"/>
-              </a:ext>
-            </a:extLst>
-          </p:cNvPr>
-          <p:cNvSpPr txBox="1"/>
-          <p:nvPr/>
-        </p:nvSpPr>
-        <p:spPr>
-          <a:xfrm>
-            <a:off x="0" y="66755"/>
-            <a:ext cx="12192000" cy="707886"/>
-          </a:xfrm>
-          <a:prstGeom prst="rect">
-            <a:avLst/>
-          </a:prstGeom>
-          <a:noFill/>
-        </p:spPr>
-        <p:txBody>
-          <a:bodyPr wrap="square">
-            <a:spAutoFit/>
-          </a:bodyPr>
-          <a:lstStyle/>
-          <a:p>
-            <a:pPr algn="ctr"/>
-            <a:r>
-              <a:rPr lang="en-US" sz="4000" dirty="0">
-                <a:solidFill>
-                  <a:srgbClr val="76DBF4"/>
-                </a:solidFill>
-                <a:latin typeface="Century Gothic" panose="020B0502020202020204" pitchFamily="34" charset="0"/>
-              </a:rPr>
-              <a:t>How Are Questions Sent?</a:t>
-            </a:r>
-          </a:p>
-        </p:txBody>
-      </p:sp>
-      <p:pic>
-        <p:nvPicPr>
-          <p:cNvPr id="6" name="Picture 5">
-            <a:extLst>
-              <a:ext uri="{FF2B5EF4-FFF2-40B4-BE49-F238E27FC236}">
-                <a16:creationId xmlns:a16="http://schemas.microsoft.com/office/drawing/2014/main" id="{378AF31D-A902-6384-5CD6-ADBA5651F269}"/>
+                <a16:creationId xmlns:a16="http://schemas.microsoft.com/office/drawing/2014/main" id="{AC13BDCC-D587-A8F2-0034-82BFE5137251}"/>
               </a:ext>
             </a:extLst>
           </p:cNvPr>
@@ -11779,20 +11738,61 @@
         </p:blipFill>
         <p:spPr>
           <a:xfrm>
-            <a:off x="241290" y="2939627"/>
-            <a:ext cx="9511467" cy="3562266"/>
+            <a:off x="241290" y="842460"/>
+            <a:ext cx="7320298" cy="2097167"/>
           </a:xfrm>
           <a:prstGeom prst="rect">
             <a:avLst/>
           </a:prstGeom>
         </p:spPr>
       </p:pic>
+      <p:sp>
+        <p:nvSpPr>
+          <p:cNvPr id="17" name="TextBox 16">
+            <a:extLst>
+              <a:ext uri="{FF2B5EF4-FFF2-40B4-BE49-F238E27FC236}">
+                <a16:creationId xmlns:a16="http://schemas.microsoft.com/office/drawing/2014/main" id="{46258BF4-9BF1-965C-C3C5-A1826DB4D9EB}"/>
+              </a:ext>
+            </a:extLst>
+          </p:cNvPr>
+          <p:cNvSpPr txBox="1"/>
+          <p:nvPr/>
+        </p:nvSpPr>
+        <p:spPr>
+          <a:xfrm>
+            <a:off x="0" y="66755"/>
+            <a:ext cx="12192000" cy="707886"/>
+          </a:xfrm>
+          <a:prstGeom prst="rect">
+            <a:avLst/>
+          </a:prstGeom>
+          <a:noFill/>
+        </p:spPr>
+        <p:txBody>
+          <a:bodyPr wrap="square">
+            <a:spAutoFit/>
+          </a:bodyPr>
+          <a:lstStyle/>
+          <a:p>
+            <a:pPr algn="ctr"/>
+            <a:r>
+              <a:rPr lang="en-US" sz="4000" dirty="0">
+                <a:solidFill>
+                  <a:srgbClr val="76DBF4"/>
+                </a:solidFill>
+                <a:latin typeface="Century Gothic" panose="020B0502020202020204" pitchFamily="34" charset="0"/>
+              </a:rPr>
+              <a:t>How Are Questions Sent?</a:t>
+            </a:r>
+          </a:p>
+        </p:txBody>
+      </p:sp>
       <p:pic>
         <p:nvPicPr>
-          <p:cNvPr id="10" name="Picture 9">
+          <p:cNvPr id="6" name="Picture 5">
             <a:extLst>
               <a:ext uri="{FF2B5EF4-FFF2-40B4-BE49-F238E27FC236}">
-                <a16:creationId xmlns:a16="http://schemas.microsoft.com/office/drawing/2014/main" id="{E13C0CED-2A94-8D06-5B12-77E00E6C2B74}"/>
+                <a16:creationId xmlns:a16="http://schemas.microsoft.com/office/drawing/2014/main" id="{378AF31D-A902-6384-5CD6-ADBA5651F269}"/>
               </a:ext>
             </a:extLst>
           </p:cNvPr>
@@ -11809,8 +11809,8 @@
         </p:blipFill>
         <p:spPr>
           <a:xfrm>
-            <a:off x="241290" y="938817"/>
-            <a:ext cx="7320298" cy="1836634"/>
+            <a:off x="241290" y="2939627"/>
+            <a:ext cx="9511467" cy="3562266"/>
           </a:xfrm>
           <a:prstGeom prst="rect">
             <a:avLst/>
@@ -11852,7 +11852,7 @@
                 </a:solidFill>
                 <a:latin typeface="Century Gothic" panose="020B0502020202020204" pitchFamily="34" charset="0"/>
               </a:rPr>
-              <a:t>Questions and their images are sent to every player. And then how much time the client has for answering is sent. Starting the countdown.</a:t>
+              <a:t>Questions and their images are sent to every player. After waiting a small amount how much time the client has for answering is sent. Starting the countdown.</a:t>
             </a:r>
           </a:p>
         </p:txBody>

--- a/CMP2204 Project.pptx
+++ b/CMP2204 Project.pptx
@@ -10275,10 +10275,10 @@
       </p:sp>
       <p:pic>
         <p:nvPicPr>
-          <p:cNvPr id="5" name="Picture 4">
+          <p:cNvPr id="3" name="Picture 2">
             <a:extLst>
               <a:ext uri="{FF2B5EF4-FFF2-40B4-BE49-F238E27FC236}">
-                <a16:creationId xmlns:a16="http://schemas.microsoft.com/office/drawing/2014/main" id="{1B93064B-E8B0-C052-A92B-2B38D9997E9E}"/>
+                <a16:creationId xmlns:a16="http://schemas.microsoft.com/office/drawing/2014/main" id="{0F35DEC4-55AC-44C5-02C4-DF1193AE9B2C}"/>
               </a:ext>
             </a:extLst>
           </p:cNvPr>
@@ -10295,8 +10295,8 @@
         </p:blipFill>
         <p:spPr>
           <a:xfrm>
-            <a:off x="356557" y="774641"/>
-            <a:ext cx="5038750" cy="5933286"/>
+            <a:off x="250613" y="774640"/>
+            <a:ext cx="5463345" cy="6017062"/>
           </a:xfrm>
           <a:prstGeom prst="rect">
             <a:avLst/>

--- a/CMP2204 Project.pptx
+++ b/CMP2204 Project.pptx
@@ -10875,7 +10875,7 @@
                 </a:solidFill>
                 <a:latin typeface="Century Gothic" panose="020B0502020202020204" pitchFamily="34" charset="0"/>
               </a:rPr>
-              <a:t>So we first send the length of the message in a HEADER sized message that the client expects and then we send the actual message which the client waits to receive. </a:t>
+              <a:t>So, we first send the length of the message in a HEADER sized message that the client expects and then we send the actual message which the client waits to receive. </a:t>
             </a:r>
           </a:p>
         </p:txBody>

--- a/CMP2204 Project.pptx
+++ b/CMP2204 Project.pptx
@@ -6,19 +6,18 @@
     <p:sldMasterId id="2147483660" r:id="rId2"/>
   </p:sldMasterIdLst>
   <p:notesMasterIdLst>
-    <p:notesMasterId r:id="rId13"/>
+    <p:notesMasterId r:id="rId12"/>
   </p:notesMasterIdLst>
   <p:sldIdLst>
     <p:sldId id="257" r:id="rId3"/>
     <p:sldId id="256" r:id="rId4"/>
     <p:sldId id="258" r:id="rId5"/>
-    <p:sldId id="259" r:id="rId6"/>
-    <p:sldId id="260" r:id="rId7"/>
-    <p:sldId id="261" r:id="rId8"/>
-    <p:sldId id="263" r:id="rId9"/>
-    <p:sldId id="264" r:id="rId10"/>
-    <p:sldId id="265" r:id="rId11"/>
-    <p:sldId id="266" r:id="rId12"/>
+    <p:sldId id="260" r:id="rId6"/>
+    <p:sldId id="261" r:id="rId7"/>
+    <p:sldId id="263" r:id="rId8"/>
+    <p:sldId id="264" r:id="rId9"/>
+    <p:sldId id="265" r:id="rId10"/>
+    <p:sldId id="266" r:id="rId11"/>
   </p:sldIdLst>
   <p:sldSz cx="12192000" cy="6858000"/>
   <p:notesSz cx="6858000" cy="9144000"/>
@@ -207,7 +206,7 @@
           <a:p>
             <a:fld id="{7F8E8FA6-4A9C-43C2-8788-C64E7B6C87A5}" type="datetimeFigureOut">
               <a:rPr lang="en-US" smtClean="0"/>
-              <a:t>6/2/2022</a:t>
+              <a:t>6/7/2022</a:t>
             </a:fld>
             <a:endParaRPr lang="en-US" dirty="0"/>
           </a:p>
@@ -618,90 +617,6 @@
 </p:notes>
 </file>
 
-<file path=ppt/notesSlides/notesSlide10.xml><?xml version="1.0" encoding="utf-8"?>
-<p:notes xmlns:a="http://schemas.openxmlformats.org/drawingml/2006/main" xmlns:r="http://schemas.openxmlformats.org/officeDocument/2006/relationships" xmlns:p="http://schemas.openxmlformats.org/presentationml/2006/main">
-  <p:cSld>
-    <p:spTree>
-      <p:nvGrpSpPr>
-        <p:cNvPr id="1" name=""/>
-        <p:cNvGrpSpPr/>
-        <p:nvPr/>
-      </p:nvGrpSpPr>
-      <p:grpSpPr>
-        <a:xfrm>
-          <a:off x="0" y="0"/>
-          <a:ext cx="0" cy="0"/>
-          <a:chOff x="0" y="0"/>
-          <a:chExt cx="0" cy="0"/>
-        </a:xfrm>
-      </p:grpSpPr>
-      <p:sp>
-        <p:nvSpPr>
-          <p:cNvPr id="2" name="Slide Image Placeholder 1"/>
-          <p:cNvSpPr>
-            <a:spLocks noGrp="1" noRot="1" noChangeAspect="1"/>
-          </p:cNvSpPr>
-          <p:nvPr>
-            <p:ph type="sldImg"/>
-          </p:nvPr>
-        </p:nvSpPr>
-        <p:spPr/>
-      </p:sp>
-      <p:sp>
-        <p:nvSpPr>
-          <p:cNvPr id="3" name="Notes Placeholder 2"/>
-          <p:cNvSpPr>
-            <a:spLocks noGrp="1"/>
-          </p:cNvSpPr>
-          <p:nvPr>
-            <p:ph type="body" idx="1"/>
-          </p:nvPr>
-        </p:nvSpPr>
-        <p:spPr/>
-        <p:txBody>
-          <a:bodyPr/>
-          <a:lstStyle/>
-          <a:p>
-            <a:endParaRPr lang="en-US" dirty="0"/>
-          </a:p>
-        </p:txBody>
-      </p:sp>
-      <p:sp>
-        <p:nvSpPr>
-          <p:cNvPr id="4" name="Slide Number Placeholder 3"/>
-          <p:cNvSpPr>
-            <a:spLocks noGrp="1"/>
-          </p:cNvSpPr>
-          <p:nvPr>
-            <p:ph type="sldNum" sz="quarter" idx="5"/>
-          </p:nvPr>
-        </p:nvSpPr>
-        <p:spPr/>
-        <p:txBody>
-          <a:bodyPr/>
-          <a:lstStyle/>
-          <a:p>
-            <a:fld id="{9CC0D894-53EC-4B73-BD71-B5E418BA678E}" type="slidenum">
-              <a:rPr lang="en-US" smtClean="0"/>
-              <a:t>10</a:t>
-            </a:fld>
-            <a:endParaRPr lang="en-US" dirty="0"/>
-          </a:p>
-        </p:txBody>
-      </p:sp>
-    </p:spTree>
-    <p:extLst>
-      <p:ext uri="{BB962C8B-B14F-4D97-AF65-F5344CB8AC3E}">
-        <p14:creationId xmlns:p14="http://schemas.microsoft.com/office/powerpoint/2010/main" val="722746977"/>
-      </p:ext>
-    </p:extLst>
-  </p:cSld>
-  <p:clrMapOvr>
-    <a:masterClrMapping/>
-  </p:clrMapOvr>
-</p:notes>
-</file>
-
 <file path=ppt/notesSlides/notesSlide2.xml><?xml version="1.0" encoding="utf-8"?>
 <p:notes xmlns:a="http://schemas.openxmlformats.org/drawingml/2006/main" xmlns:r="http://schemas.openxmlformats.org/officeDocument/2006/relationships" xmlns:p="http://schemas.openxmlformats.org/presentationml/2006/main">
   <p:cSld>
@@ -944,7 +859,7 @@
     </p:spTree>
     <p:extLst>
       <p:ext uri="{BB962C8B-B14F-4D97-AF65-F5344CB8AC3E}">
-        <p14:creationId xmlns:p14="http://schemas.microsoft.com/office/powerpoint/2010/main" val="3862308073"/>
+        <p14:creationId xmlns:p14="http://schemas.microsoft.com/office/powerpoint/2010/main" val="1780257447"/>
       </p:ext>
     </p:extLst>
   </p:cSld>
@@ -1028,7 +943,7 @@
     </p:spTree>
     <p:extLst>
       <p:ext uri="{BB962C8B-B14F-4D97-AF65-F5344CB8AC3E}">
-        <p14:creationId xmlns:p14="http://schemas.microsoft.com/office/powerpoint/2010/main" val="1780257447"/>
+        <p14:creationId xmlns:p14="http://schemas.microsoft.com/office/powerpoint/2010/main" val="2540635254"/>
       </p:ext>
     </p:extLst>
   </p:cSld>
@@ -1112,7 +1027,7 @@
     </p:spTree>
     <p:extLst>
       <p:ext uri="{BB962C8B-B14F-4D97-AF65-F5344CB8AC3E}">
-        <p14:creationId xmlns:p14="http://schemas.microsoft.com/office/powerpoint/2010/main" val="2540635254"/>
+        <p14:creationId xmlns:p14="http://schemas.microsoft.com/office/powerpoint/2010/main" val="3040727081"/>
       </p:ext>
     </p:extLst>
   </p:cSld>
@@ -1196,7 +1111,7 @@
     </p:spTree>
     <p:extLst>
       <p:ext uri="{BB962C8B-B14F-4D97-AF65-F5344CB8AC3E}">
-        <p14:creationId xmlns:p14="http://schemas.microsoft.com/office/powerpoint/2010/main" val="3040727081"/>
+        <p14:creationId xmlns:p14="http://schemas.microsoft.com/office/powerpoint/2010/main" val="137686839"/>
       </p:ext>
     </p:extLst>
   </p:cSld>
@@ -1280,7 +1195,7 @@
     </p:spTree>
     <p:extLst>
       <p:ext uri="{BB962C8B-B14F-4D97-AF65-F5344CB8AC3E}">
-        <p14:creationId xmlns:p14="http://schemas.microsoft.com/office/powerpoint/2010/main" val="137686839"/>
+        <p14:creationId xmlns:p14="http://schemas.microsoft.com/office/powerpoint/2010/main" val="1846080436"/>
       </p:ext>
     </p:extLst>
   </p:cSld>
@@ -1364,7 +1279,7 @@
     </p:spTree>
     <p:extLst>
       <p:ext uri="{BB962C8B-B14F-4D97-AF65-F5344CB8AC3E}">
-        <p14:creationId xmlns:p14="http://schemas.microsoft.com/office/powerpoint/2010/main" val="1846080436"/>
+        <p14:creationId xmlns:p14="http://schemas.microsoft.com/office/powerpoint/2010/main" val="722746977"/>
       </p:ext>
     </p:extLst>
   </p:cSld>
@@ -1521,7 +1436,7 @@
           <a:p>
             <a:fld id="{CE9D9474-AA2E-4503-970C-1B28C79690E6}" type="datetimeFigureOut">
               <a:rPr lang="en-US" smtClean="0"/>
-              <a:t>6/2/2022</a:t>
+              <a:t>6/7/2022</a:t>
             </a:fld>
             <a:endParaRPr lang="en-US" dirty="0"/>
           </a:p>
@@ -1719,7 +1634,7 @@
           <a:p>
             <a:fld id="{CE9D9474-AA2E-4503-970C-1B28C79690E6}" type="datetimeFigureOut">
               <a:rPr lang="en-US" smtClean="0"/>
-              <a:t>6/2/2022</a:t>
+              <a:t>6/7/2022</a:t>
             </a:fld>
             <a:endParaRPr lang="en-US" dirty="0"/>
           </a:p>
@@ -1927,7 +1842,7 @@
           <a:p>
             <a:fld id="{CE9D9474-AA2E-4503-970C-1B28C79690E6}" type="datetimeFigureOut">
               <a:rPr lang="en-US" smtClean="0"/>
-              <a:t>6/2/2022</a:t>
+              <a:t>6/7/2022</a:t>
             </a:fld>
             <a:endParaRPr lang="en-US" dirty="0"/>
           </a:p>
@@ -2193,7 +2108,7 @@
             <a:fld id="{A37D6D71-8B28-4ED6-B932-04B197003D23}" type="datetimeFigureOut">
               <a:rPr lang="en-US" smtClean="0"/>
               <a:pPr algn="r"/>
-              <a:t>6/2/2022</a:t>
+              <a:t>6/7/2022</a:t>
             </a:fld>
             <a:endParaRPr lang="en-US" dirty="0"/>
           </a:p>
@@ -2546,7 +2461,7 @@
             <a:fld id="{A37D6D71-8B28-4ED6-B932-04B197003D23}" type="datetimeFigureOut">
               <a:rPr lang="en-US" smtClean="0"/>
               <a:pPr algn="r"/>
-              <a:t>6/2/2022</a:t>
+              <a:t>6/7/2022</a:t>
             </a:fld>
             <a:endParaRPr lang="en-US" dirty="0"/>
           </a:p>
@@ -2804,7 +2719,7 @@
             <a:fld id="{A37D6D71-8B28-4ED6-B932-04B197003D23}" type="datetimeFigureOut">
               <a:rPr lang="en-US" smtClean="0"/>
               <a:pPr algn="r"/>
-              <a:t>6/2/2022</a:t>
+              <a:t>6/7/2022</a:t>
             </a:fld>
             <a:endParaRPr lang="en-US" dirty="0"/>
           </a:p>
@@ -3048,7 +2963,7 @@
             <a:fld id="{A37D6D71-8B28-4ED6-B932-04B197003D23}" type="datetimeFigureOut">
               <a:rPr lang="en-US" smtClean="0"/>
               <a:pPr algn="r"/>
-              <a:t>6/2/2022</a:t>
+              <a:t>6/7/2022</a:t>
             </a:fld>
             <a:endParaRPr lang="en-US" dirty="0"/>
           </a:p>
@@ -3438,7 +3353,7 @@
             <a:fld id="{A37D6D71-8B28-4ED6-B932-04B197003D23}" type="datetimeFigureOut">
               <a:rPr lang="en-US" smtClean="0"/>
               <a:pPr algn="r"/>
-              <a:t>6/2/2022</a:t>
+              <a:t>6/7/2022</a:t>
             </a:fld>
             <a:endParaRPr lang="en-US" dirty="0"/>
           </a:p>
@@ -3564,7 +3479,7 @@
             <a:fld id="{A37D6D71-8B28-4ED6-B932-04B197003D23}" type="datetimeFigureOut">
               <a:rPr lang="en-US" smtClean="0"/>
               <a:pPr algn="r"/>
-              <a:t>6/2/2022</a:t>
+              <a:t>6/7/2022</a:t>
             </a:fld>
             <a:endParaRPr lang="en-US" dirty="0"/>
           </a:p>
@@ -3667,7 +3582,7 @@
             <a:fld id="{A37D6D71-8B28-4ED6-B932-04B197003D23}" type="datetimeFigureOut">
               <a:rPr lang="en-US" smtClean="0"/>
               <a:pPr algn="r"/>
-              <a:t>6/2/2022</a:t>
+              <a:t>6/7/2022</a:t>
             </a:fld>
             <a:endParaRPr lang="en-US" dirty="0"/>
           </a:p>
@@ -3930,7 +3845,7 @@
             <a:fld id="{A37D6D71-8B28-4ED6-B932-04B197003D23}" type="datetimeFigureOut">
               <a:rPr lang="en-US" smtClean="0"/>
               <a:pPr algn="r"/>
-              <a:t>6/2/2022</a:t>
+              <a:t>6/7/2022</a:t>
             </a:fld>
             <a:endParaRPr lang="en-US" dirty="0"/>
           </a:p>
@@ -4122,7 +4037,7 @@
           <a:p>
             <a:fld id="{CE9D9474-AA2E-4503-970C-1B28C79690E6}" type="datetimeFigureOut">
               <a:rPr lang="en-US" smtClean="0"/>
-              <a:t>6/2/2022</a:t>
+              <a:t>6/7/2022</a:t>
             </a:fld>
             <a:endParaRPr lang="en-US" dirty="0"/>
           </a:p>
@@ -4418,7 +4333,7 @@
             <a:fld id="{A37D6D71-8B28-4ED6-B932-04B197003D23}" type="datetimeFigureOut">
               <a:rPr lang="en-US" smtClean="0"/>
               <a:pPr algn="r"/>
-              <a:t>6/2/2022</a:t>
+              <a:t>6/7/2022</a:t>
             </a:fld>
             <a:endParaRPr lang="en-US" dirty="0"/>
           </a:p>
@@ -4690,7 +4605,7 @@
             <a:fld id="{A37D6D71-8B28-4ED6-B932-04B197003D23}" type="datetimeFigureOut">
               <a:rPr lang="en-US" smtClean="0"/>
               <a:pPr algn="r"/>
-              <a:t>6/2/2022</a:t>
+              <a:t>6/7/2022</a:t>
             </a:fld>
             <a:endParaRPr lang="en-US" spc="50" dirty="0"/>
           </a:p>
@@ -4944,7 +4859,7 @@
             <a:fld id="{A37D6D71-8B28-4ED6-B932-04B197003D23}" type="datetimeFigureOut">
               <a:rPr lang="en-US" smtClean="0"/>
               <a:pPr algn="r"/>
-              <a:t>6/2/2022</a:t>
+              <a:t>6/7/2022</a:t>
             </a:fld>
             <a:endParaRPr lang="en-US" spc="50" dirty="0"/>
           </a:p>
@@ -5256,7 +5171,7 @@
             <a:fld id="{A37D6D71-8B28-4ED6-B932-04B197003D23}" type="datetimeFigureOut">
               <a:rPr lang="en-US" smtClean="0"/>
               <a:pPr algn="r"/>
-              <a:t>6/2/2022</a:t>
+              <a:t>6/7/2022</a:t>
             </a:fld>
             <a:endParaRPr lang="en-US" spc="50" dirty="0"/>
           </a:p>
@@ -5578,7 +5493,7 @@
             <a:fld id="{A37D6D71-8B28-4ED6-B932-04B197003D23}" type="datetimeFigureOut">
               <a:rPr lang="en-US" smtClean="0"/>
               <a:pPr algn="r"/>
-              <a:t>6/2/2022</a:t>
+              <a:t>6/7/2022</a:t>
             </a:fld>
             <a:endParaRPr lang="en-US" spc="50" dirty="0"/>
           </a:p>
@@ -5884,7 +5799,7 @@
             <a:fld id="{A37D6D71-8B28-4ED6-B932-04B197003D23}" type="datetimeFigureOut">
               <a:rPr lang="en-US" smtClean="0"/>
               <a:pPr algn="r"/>
-              <a:t>6/2/2022</a:t>
+              <a:t>6/7/2022</a:t>
             </a:fld>
             <a:endParaRPr lang="en-US" spc="50" dirty="0"/>
           </a:p>
@@ -6255,7 +6170,7 @@
             <a:fld id="{A37D6D71-8B28-4ED6-B932-04B197003D23}" type="datetimeFigureOut">
               <a:rPr lang="en-US" smtClean="0"/>
               <a:pPr algn="r"/>
-              <a:t>6/2/2022</a:t>
+              <a:t>6/7/2022</a:t>
             </a:fld>
             <a:endParaRPr lang="en-US" spc="50" dirty="0"/>
           </a:p>
@@ -6433,7 +6348,7 @@
             <a:fld id="{A37D6D71-8B28-4ED6-B932-04B197003D23}" type="datetimeFigureOut">
               <a:rPr lang="en-US" smtClean="0"/>
               <a:pPr algn="r"/>
-              <a:t>6/2/2022</a:t>
+              <a:t>6/7/2022</a:t>
             </a:fld>
             <a:endParaRPr lang="en-US" dirty="0"/>
           </a:p>
@@ -6621,7 +6536,7 @@
             <a:fld id="{A37D6D71-8B28-4ED6-B932-04B197003D23}" type="datetimeFigureOut">
               <a:rPr lang="en-US" smtClean="0"/>
               <a:pPr algn="r"/>
-              <a:t>6/2/2022</a:t>
+              <a:t>6/7/2022</a:t>
             </a:fld>
             <a:endParaRPr lang="en-US" dirty="0"/>
           </a:p>
@@ -6758,7 +6673,7 @@
             <a:fld id="{A37D6D71-8B28-4ED6-B932-04B197003D23}" type="datetimeFigureOut">
               <a:rPr lang="en-US" smtClean="0"/>
               <a:pPr algn="r"/>
-              <a:t>6/2/2022</a:t>
+              <a:t>6/7/2022</a:t>
             </a:fld>
             <a:endParaRPr lang="en-US" spc="50" dirty="0"/>
           </a:p>
@@ -7035,7 +6950,7 @@
           <a:p>
             <a:fld id="{CE9D9474-AA2E-4503-970C-1B28C79690E6}" type="datetimeFigureOut">
               <a:rPr lang="en-US" smtClean="0"/>
-              <a:t>6/2/2022</a:t>
+              <a:t>6/7/2022</a:t>
             </a:fld>
             <a:endParaRPr lang="en-US" dirty="0"/>
           </a:p>
@@ -7300,7 +7215,7 @@
           <a:p>
             <a:fld id="{CE9D9474-AA2E-4503-970C-1B28C79690E6}" type="datetimeFigureOut">
               <a:rPr lang="en-US" smtClean="0"/>
-              <a:t>6/2/2022</a:t>
+              <a:t>6/7/2022</a:t>
             </a:fld>
             <a:endParaRPr lang="en-US" dirty="0"/>
           </a:p>
@@ -7712,7 +7627,7 @@
           <a:p>
             <a:fld id="{CE9D9474-AA2E-4503-970C-1B28C79690E6}" type="datetimeFigureOut">
               <a:rPr lang="en-US" smtClean="0"/>
-              <a:t>6/2/2022</a:t>
+              <a:t>6/7/2022</a:t>
             </a:fld>
             <a:endParaRPr lang="en-US" dirty="0"/>
           </a:p>
@@ -7853,7 +7768,7 @@
           <a:p>
             <a:fld id="{CE9D9474-AA2E-4503-970C-1B28C79690E6}" type="datetimeFigureOut">
               <a:rPr lang="en-US" smtClean="0"/>
-              <a:t>6/2/2022</a:t>
+              <a:t>6/7/2022</a:t>
             </a:fld>
             <a:endParaRPr lang="en-US" dirty="0"/>
           </a:p>
@@ -7966,7 +7881,7 @@
           <a:p>
             <a:fld id="{CE9D9474-AA2E-4503-970C-1B28C79690E6}" type="datetimeFigureOut">
               <a:rPr lang="en-US" smtClean="0"/>
-              <a:t>6/2/2022</a:t>
+              <a:t>6/7/2022</a:t>
             </a:fld>
             <a:endParaRPr lang="en-US" dirty="0"/>
           </a:p>
@@ -8277,7 +8192,7 @@
           <a:p>
             <a:fld id="{CE9D9474-AA2E-4503-970C-1B28C79690E6}" type="datetimeFigureOut">
               <a:rPr lang="en-US" smtClean="0"/>
-              <a:t>6/2/2022</a:t>
+              <a:t>6/7/2022</a:t>
             </a:fld>
             <a:endParaRPr lang="en-US" dirty="0"/>
           </a:p>
@@ -8565,7 +8480,7 @@
           <a:p>
             <a:fld id="{CE9D9474-AA2E-4503-970C-1B28C79690E6}" type="datetimeFigureOut">
               <a:rPr lang="en-US" smtClean="0"/>
-              <a:t>6/2/2022</a:t>
+              <a:t>6/7/2022</a:t>
             </a:fld>
             <a:endParaRPr lang="en-US" dirty="0"/>
           </a:p>
@@ -8806,7 +8721,7 @@
           <a:p>
             <a:fld id="{CE9D9474-AA2E-4503-970C-1B28C79690E6}" type="datetimeFigureOut">
               <a:rPr lang="en-US" smtClean="0"/>
-              <a:t>6/2/2022</a:t>
+              <a:t>6/7/2022</a:t>
             </a:fld>
             <a:endParaRPr lang="en-US" dirty="0"/>
           </a:p>
@@ -9553,7 +9468,7 @@
             <a:fld id="{A37D6D71-8B28-4ED6-B932-04B197003D23}" type="datetimeFigureOut">
               <a:rPr lang="en-US" smtClean="0"/>
               <a:pPr algn="r"/>
-              <a:t>6/2/2022</a:t>
+              <a:t>6/7/2022</a:t>
             </a:fld>
             <a:endParaRPr lang="en-US" spc="50" dirty="0"/>
           </a:p>
@@ -10167,155 +10082,6 @@
 </p:sld>
 </file>
 
-<file path=ppt/slides/slide10.xml><?xml version="1.0" encoding="utf-8"?>
-<p:sld xmlns:a="http://schemas.openxmlformats.org/drawingml/2006/main" xmlns:r="http://schemas.openxmlformats.org/officeDocument/2006/relationships" xmlns:p="http://schemas.openxmlformats.org/presentationml/2006/main">
-  <p:cSld>
-    <p:bg>
-      <p:bgPr>
-        <a:solidFill>
-          <a:srgbClr val="1E1E1E"/>
-        </a:solidFill>
-        <a:effectLst/>
-      </p:bgPr>
-    </p:bg>
-    <p:spTree>
-      <p:nvGrpSpPr>
-        <p:cNvPr id="1" name=""/>
-        <p:cNvGrpSpPr/>
-        <p:nvPr/>
-      </p:nvGrpSpPr>
-      <p:grpSpPr>
-        <a:xfrm>
-          <a:off x="0" y="0"/>
-          <a:ext cx="0" cy="0"/>
-          <a:chOff x="0" y="0"/>
-          <a:chExt cx="0" cy="0"/>
-        </a:xfrm>
-      </p:grpSpPr>
-      <p:sp>
-        <p:nvSpPr>
-          <p:cNvPr id="17" name="TextBox 16">
-            <a:extLst>
-              <a:ext uri="{FF2B5EF4-FFF2-40B4-BE49-F238E27FC236}">
-                <a16:creationId xmlns:a16="http://schemas.microsoft.com/office/drawing/2014/main" id="{46258BF4-9BF1-965C-C3C5-A1826DB4D9EB}"/>
-              </a:ext>
-            </a:extLst>
-          </p:cNvPr>
-          <p:cNvSpPr txBox="1"/>
-          <p:nvPr/>
-        </p:nvSpPr>
-        <p:spPr>
-          <a:xfrm>
-            <a:off x="0" y="66755"/>
-            <a:ext cx="12192000" cy="707886"/>
-          </a:xfrm>
-          <a:prstGeom prst="rect">
-            <a:avLst/>
-          </a:prstGeom>
-          <a:noFill/>
-        </p:spPr>
-        <p:txBody>
-          <a:bodyPr wrap="square">
-            <a:spAutoFit/>
-          </a:bodyPr>
-          <a:lstStyle/>
-          <a:p>
-            <a:pPr algn="ctr"/>
-            <a:r>
-              <a:rPr lang="en-US" sz="4000" dirty="0">
-                <a:solidFill>
-                  <a:srgbClr val="76DBF4"/>
-                </a:solidFill>
-                <a:latin typeface="Century Gothic" panose="020B0502020202020204" pitchFamily="34" charset="0"/>
-              </a:rPr>
-              <a:t>Finally, The Start Button Is Clicked</a:t>
-            </a:r>
-          </a:p>
-        </p:txBody>
-      </p:sp>
-      <p:sp>
-        <p:nvSpPr>
-          <p:cNvPr id="4" name="TextBox 3">
-            <a:extLst>
-              <a:ext uri="{FF2B5EF4-FFF2-40B4-BE49-F238E27FC236}">
-                <a16:creationId xmlns:a16="http://schemas.microsoft.com/office/drawing/2014/main" id="{7012E80B-A0FE-E3F1-EF21-57400FE387FB}"/>
-              </a:ext>
-            </a:extLst>
-          </p:cNvPr>
-          <p:cNvSpPr txBox="1"/>
-          <p:nvPr/>
-        </p:nvSpPr>
-        <p:spPr>
-          <a:xfrm>
-            <a:off x="5713958" y="1859339"/>
-            <a:ext cx="5949418" cy="3139321"/>
-          </a:xfrm>
-          <a:prstGeom prst="rect">
-            <a:avLst/>
-          </a:prstGeom>
-          <a:noFill/>
-        </p:spPr>
-        <p:txBody>
-          <a:bodyPr wrap="square">
-            <a:spAutoFit/>
-          </a:bodyPr>
-          <a:lstStyle/>
-          <a:p>
-            <a:r>
-              <a:rPr lang="en-US" dirty="0">
-                <a:solidFill>
-                  <a:srgbClr val="76DBF4"/>
-                </a:solidFill>
-                <a:latin typeface="Century Gothic" panose="020B0502020202020204" pitchFamily="34" charset="0"/>
-              </a:rPr>
-              <a:t>All players that joined the server and disconnected are removed from the playerList. If there are no players connected the game doesn’t start. A question are sent and after the correct amount of time answers to those questions are sent. After a waiting period the next questions are sent. After all the questions are finished, scores are sent to the still connected players. The scores are displayed for 5 seconds and then every player is disconnected before the server socket is closed. The game can be started again.</a:t>
-            </a:r>
-          </a:p>
-        </p:txBody>
-      </p:sp>
-      <p:pic>
-        <p:nvPicPr>
-          <p:cNvPr id="3" name="Picture 2">
-            <a:extLst>
-              <a:ext uri="{FF2B5EF4-FFF2-40B4-BE49-F238E27FC236}">
-                <a16:creationId xmlns:a16="http://schemas.microsoft.com/office/drawing/2014/main" id="{0F35DEC4-55AC-44C5-02C4-DF1193AE9B2C}"/>
-              </a:ext>
-            </a:extLst>
-          </p:cNvPr>
-          <p:cNvPicPr>
-            <a:picLocks noChangeAspect="1"/>
-          </p:cNvPicPr>
-          <p:nvPr/>
-        </p:nvPicPr>
-        <p:blipFill>
-          <a:blip r:embed="rId3"/>
-          <a:stretch>
-            <a:fillRect/>
-          </a:stretch>
-        </p:blipFill>
-        <p:spPr>
-          <a:xfrm>
-            <a:off x="250613" y="774640"/>
-            <a:ext cx="5463345" cy="6017062"/>
-          </a:xfrm>
-          <a:prstGeom prst="rect">
-            <a:avLst/>
-          </a:prstGeom>
-        </p:spPr>
-      </p:pic>
-    </p:spTree>
-    <p:extLst>
-      <p:ext uri="{BB962C8B-B14F-4D97-AF65-F5344CB8AC3E}">
-        <p14:creationId xmlns:p14="http://schemas.microsoft.com/office/powerpoint/2010/main" val="653382929"/>
-      </p:ext>
-    </p:extLst>
-  </p:cSld>
-  <p:clrMapOvr>
-    <a:masterClrMapping/>
-  </p:clrMapOvr>
-</p:sld>
-</file>
-
 <file path=ppt/slides/slide2.xml><?xml version="1.0" encoding="utf-8"?>
 <p:sld xmlns:a="http://schemas.openxmlformats.org/drawingml/2006/main" xmlns:r="http://schemas.openxmlformats.org/officeDocument/2006/relationships" xmlns:p="http://schemas.openxmlformats.org/presentationml/2006/main">
   <p:cSld>
@@ -10758,285 +10524,6 @@
           </a:prstGeom>
         </p:spPr>
       </p:pic>
-      <p:pic>
-        <p:nvPicPr>
-          <p:cNvPr id="16" name="Picture 15">
-            <a:extLst>
-              <a:ext uri="{FF2B5EF4-FFF2-40B4-BE49-F238E27FC236}">
-                <a16:creationId xmlns:a16="http://schemas.microsoft.com/office/drawing/2014/main" id="{B19F038C-1F41-2F98-1CDF-84B5113129D8}"/>
-              </a:ext>
-            </a:extLst>
-          </p:cNvPr>
-          <p:cNvPicPr>
-            <a:picLocks noChangeAspect="1"/>
-          </p:cNvPicPr>
-          <p:nvPr/>
-        </p:nvPicPr>
-        <p:blipFill>
-          <a:blip r:embed="rId5"/>
-          <a:stretch>
-            <a:fillRect/>
-          </a:stretch>
-        </p:blipFill>
-        <p:spPr>
-          <a:xfrm>
-            <a:off x="6096000" y="852487"/>
-            <a:ext cx="5210175" cy="3257550"/>
-          </a:xfrm>
-          <a:prstGeom prst="rect">
-            <a:avLst/>
-          </a:prstGeom>
-        </p:spPr>
-      </p:pic>
-      <p:sp>
-        <p:nvSpPr>
-          <p:cNvPr id="17" name="TextBox 16">
-            <a:extLst>
-              <a:ext uri="{FF2B5EF4-FFF2-40B4-BE49-F238E27FC236}">
-                <a16:creationId xmlns:a16="http://schemas.microsoft.com/office/drawing/2014/main" id="{46258BF4-9BF1-965C-C3C5-A1826DB4D9EB}"/>
-              </a:ext>
-            </a:extLst>
-          </p:cNvPr>
-          <p:cNvSpPr txBox="1"/>
-          <p:nvPr/>
-        </p:nvSpPr>
-        <p:spPr>
-          <a:xfrm>
-            <a:off x="0" y="66755"/>
-            <a:ext cx="12192000" cy="707886"/>
-          </a:xfrm>
-          <a:prstGeom prst="rect">
-            <a:avLst/>
-          </a:prstGeom>
-          <a:noFill/>
-        </p:spPr>
-        <p:txBody>
-          <a:bodyPr wrap="square">
-            <a:spAutoFit/>
-          </a:bodyPr>
-          <a:lstStyle/>
-          <a:p>
-            <a:pPr algn="ctr"/>
-            <a:r>
-              <a:rPr lang="en-US" sz="4000" dirty="0">
-                <a:solidFill>
-                  <a:srgbClr val="76DBF4"/>
-                </a:solidFill>
-                <a:latin typeface="Century Gothic" panose="020B0502020202020204" pitchFamily="34" charset="0"/>
-              </a:rPr>
-              <a:t>How Does Server Send Messages And Images</a:t>
-            </a:r>
-          </a:p>
-        </p:txBody>
-      </p:sp>
-      <p:sp>
-        <p:nvSpPr>
-          <p:cNvPr id="19" name="TextBox 18">
-            <a:extLst>
-              <a:ext uri="{FF2B5EF4-FFF2-40B4-BE49-F238E27FC236}">
-                <a16:creationId xmlns:a16="http://schemas.microsoft.com/office/drawing/2014/main" id="{3C01E4D7-4E65-F995-2D84-CB9093D7536E}"/>
-              </a:ext>
-            </a:extLst>
-          </p:cNvPr>
-          <p:cNvSpPr txBox="1"/>
-          <p:nvPr/>
-        </p:nvSpPr>
-        <p:spPr>
-          <a:xfrm>
-            <a:off x="383641" y="4247541"/>
-            <a:ext cx="5766546" cy="1477328"/>
-          </a:xfrm>
-          <a:prstGeom prst="rect">
-            <a:avLst/>
-          </a:prstGeom>
-          <a:noFill/>
-        </p:spPr>
-        <p:txBody>
-          <a:bodyPr wrap="square">
-            <a:spAutoFit/>
-          </a:bodyPr>
-          <a:lstStyle/>
-          <a:p>
-            <a:r>
-              <a:rPr lang="en-US" dirty="0">
-                <a:solidFill>
-                  <a:srgbClr val="76DBF4"/>
-                </a:solidFill>
-                <a:latin typeface="Century Gothic" panose="020B0502020202020204" pitchFamily="34" charset="0"/>
-              </a:rPr>
-              <a:t>We want to be able to send messages of any size.</a:t>
-            </a:r>
-          </a:p>
-          <a:p>
-            <a:r>
-              <a:rPr lang="en-US" dirty="0">
-                <a:solidFill>
-                  <a:srgbClr val="76DBF4"/>
-                </a:solidFill>
-                <a:latin typeface="Century Gothic" panose="020B0502020202020204" pitchFamily="34" charset="0"/>
-              </a:rPr>
-              <a:t>So, we first send the length of the message in a HEADER sized message that the client expects and then we send the actual message which the client waits to receive. </a:t>
-            </a:r>
-          </a:p>
-        </p:txBody>
-      </p:sp>
-      <p:sp>
-        <p:nvSpPr>
-          <p:cNvPr id="20" name="TextBox 19">
-            <a:extLst>
-              <a:ext uri="{FF2B5EF4-FFF2-40B4-BE49-F238E27FC236}">
-                <a16:creationId xmlns:a16="http://schemas.microsoft.com/office/drawing/2014/main" id="{D60EE8B8-52FD-2930-D6A9-D0A0F5A09BE2}"/>
-              </a:ext>
-            </a:extLst>
-          </p:cNvPr>
-          <p:cNvSpPr txBox="1"/>
-          <p:nvPr/>
-        </p:nvSpPr>
-        <p:spPr>
-          <a:xfrm>
-            <a:off x="6265334" y="4429759"/>
-            <a:ext cx="5310293" cy="2585323"/>
-          </a:xfrm>
-          <a:prstGeom prst="rect">
-            <a:avLst/>
-          </a:prstGeom>
-          <a:noFill/>
-        </p:spPr>
-        <p:txBody>
-          <a:bodyPr wrap="square">
-            <a:spAutoFit/>
-          </a:bodyPr>
-          <a:lstStyle/>
-          <a:p>
-            <a:r>
-              <a:rPr lang="en-US" dirty="0">
-                <a:solidFill>
-                  <a:srgbClr val="76DBF4"/>
-                </a:solidFill>
-                <a:latin typeface="Century Gothic" panose="020B0502020202020204" pitchFamily="34" charset="0"/>
-              </a:rPr>
-              <a:t>This code can be used to send a file of any kind. We first send the size of the file so that the client knows when it received all parts of the image. Then we send imageBuffer sized chunks of the image until we send every byte.</a:t>
-            </a:r>
-          </a:p>
-          <a:p>
-            <a:r>
-              <a:rPr lang="en-US" dirty="0">
-                <a:solidFill>
-                  <a:srgbClr val="76DBF4"/>
-                </a:solidFill>
-                <a:latin typeface="Century Gothic" panose="020B0502020202020204" pitchFamily="34" charset="0"/>
-              </a:rPr>
-              <a:t>We can’t send all the image at once since there is a limit how much data can be carried at once.</a:t>
-            </a:r>
-          </a:p>
-          <a:p>
-            <a:endParaRPr lang="en-US" dirty="0">
-              <a:solidFill>
-                <a:srgbClr val="76DBF4"/>
-              </a:solidFill>
-              <a:latin typeface="Century Gothic" panose="020B0502020202020204" pitchFamily="34" charset="0"/>
-            </a:endParaRPr>
-          </a:p>
-        </p:txBody>
-      </p:sp>
-    </p:spTree>
-    <p:extLst>
-      <p:ext uri="{BB962C8B-B14F-4D97-AF65-F5344CB8AC3E}">
-        <p14:creationId xmlns:p14="http://schemas.microsoft.com/office/powerpoint/2010/main" val="1868067354"/>
-      </p:ext>
-    </p:extLst>
-  </p:cSld>
-  <p:clrMapOvr>
-    <a:masterClrMapping/>
-  </p:clrMapOvr>
-</p:sld>
-</file>
-
-<file path=ppt/slides/slide5.xml><?xml version="1.0" encoding="utf-8"?>
-<p:sld xmlns:a="http://schemas.openxmlformats.org/drawingml/2006/main" xmlns:r="http://schemas.openxmlformats.org/officeDocument/2006/relationships" xmlns:p="http://schemas.openxmlformats.org/presentationml/2006/main">
-  <p:cSld>
-    <p:bg>
-      <p:bgPr>
-        <a:solidFill>
-          <a:srgbClr val="1E1E1E"/>
-        </a:solidFill>
-        <a:effectLst/>
-      </p:bgPr>
-    </p:bg>
-    <p:spTree>
-      <p:nvGrpSpPr>
-        <p:cNvPr id="1" name=""/>
-        <p:cNvGrpSpPr/>
-        <p:nvPr/>
-      </p:nvGrpSpPr>
-      <p:grpSpPr>
-        <a:xfrm>
-          <a:off x="0" y="0"/>
-          <a:ext cx="0" cy="0"/>
-          <a:chOff x="0" y="0"/>
-          <a:chExt cx="0" cy="0"/>
-        </a:xfrm>
-      </p:grpSpPr>
-      <p:pic>
-        <p:nvPicPr>
-          <p:cNvPr id="3" name="Picture 2">
-            <a:extLst>
-              <a:ext uri="{FF2B5EF4-FFF2-40B4-BE49-F238E27FC236}">
-                <a16:creationId xmlns:a16="http://schemas.microsoft.com/office/drawing/2014/main" id="{A3EDCCE4-C8A1-1F49-CC95-1EE25C1AF0CC}"/>
-              </a:ext>
-            </a:extLst>
-          </p:cNvPr>
-          <p:cNvPicPr>
-            <a:picLocks noChangeAspect="1"/>
-          </p:cNvPicPr>
-          <p:nvPr/>
-        </p:nvPicPr>
-        <p:blipFill>
-          <a:blip r:embed="rId3"/>
-          <a:stretch>
-            <a:fillRect/>
-          </a:stretch>
-        </p:blipFill>
-        <p:spPr>
-          <a:xfrm>
-            <a:off x="383641" y="2214562"/>
-            <a:ext cx="5238750" cy="1895475"/>
-          </a:xfrm>
-          <a:prstGeom prst="rect">
-            <a:avLst/>
-          </a:prstGeom>
-        </p:spPr>
-      </p:pic>
-      <p:pic>
-        <p:nvPicPr>
-          <p:cNvPr id="14" name="Picture 13">
-            <a:extLst>
-              <a:ext uri="{FF2B5EF4-FFF2-40B4-BE49-F238E27FC236}">
-                <a16:creationId xmlns:a16="http://schemas.microsoft.com/office/drawing/2014/main" id="{AA6D3091-FE72-8098-29E5-AA4F6B83A55E}"/>
-              </a:ext>
-            </a:extLst>
-          </p:cNvPr>
-          <p:cNvPicPr>
-            <a:picLocks noChangeAspect="1"/>
-          </p:cNvPicPr>
-          <p:nvPr/>
-        </p:nvPicPr>
-        <p:blipFill>
-          <a:blip r:embed="rId4"/>
-          <a:stretch>
-            <a:fillRect/>
-          </a:stretch>
-        </p:blipFill>
-        <p:spPr>
-          <a:xfrm>
-            <a:off x="650283" y="912144"/>
-            <a:ext cx="2912285" cy="1164914"/>
-          </a:xfrm>
-          <a:prstGeom prst="rect">
-            <a:avLst/>
-          </a:prstGeom>
-        </p:spPr>
-      </p:pic>
       <p:sp>
         <p:nvSpPr>
           <p:cNvPr id="17" name="TextBox 16">
@@ -11261,7 +10748,7 @@
 </p:sld>
 </file>
 
-<file path=ppt/slides/slide6.xml><?xml version="1.0" encoding="utf-8"?>
+<file path=ppt/slides/slide5.xml><?xml version="1.0" encoding="utf-8"?>
 <p:sld xmlns:a="http://schemas.openxmlformats.org/drawingml/2006/main" xmlns:r="http://schemas.openxmlformats.org/officeDocument/2006/relationships" xmlns:p="http://schemas.openxmlformats.org/presentationml/2006/main">
   <p:cSld>
     <p:bg>
@@ -11410,7 +10897,7 @@
 </p:sld>
 </file>
 
-<file path=ppt/slides/slide7.xml><?xml version="1.0" encoding="utf-8"?>
+<file path=ppt/slides/slide6.xml><?xml version="1.0" encoding="utf-8"?>
 <p:sld xmlns:a="http://schemas.openxmlformats.org/drawingml/2006/main" xmlns:r="http://schemas.openxmlformats.org/officeDocument/2006/relationships" xmlns:p="http://schemas.openxmlformats.org/presentationml/2006/main">
   <p:cSld>
     <p:bg>
@@ -11691,7 +11178,7 @@
 </p:sld>
 </file>
 
-<file path=ppt/slides/slide8.xml><?xml version="1.0" encoding="utf-8"?>
+<file path=ppt/slides/slide7.xml><?xml version="1.0" encoding="utf-8"?>
 <p:sld xmlns:a="http://schemas.openxmlformats.org/drawingml/2006/main" xmlns:r="http://schemas.openxmlformats.org/officeDocument/2006/relationships" xmlns:p="http://schemas.openxmlformats.org/presentationml/2006/main">
   <p:cSld>
     <p:bg>
@@ -11870,7 +11357,7 @@
 </p:sld>
 </file>
 
-<file path=ppt/slides/slide9.xml><?xml version="1.0" encoding="utf-8"?>
+<file path=ppt/slides/slide8.xml><?xml version="1.0" encoding="utf-8"?>
 <p:sld xmlns:a="http://schemas.openxmlformats.org/drawingml/2006/main" xmlns:r="http://schemas.openxmlformats.org/officeDocument/2006/relationships" xmlns:p="http://schemas.openxmlformats.org/presentationml/2006/main">
   <p:cSld>
     <p:bg>
@@ -11970,6 +11457,155 @@
     <p:extLst>
       <p:ext uri="{BB962C8B-B14F-4D97-AF65-F5344CB8AC3E}">
         <p14:creationId xmlns:p14="http://schemas.microsoft.com/office/powerpoint/2010/main" val="3695242449"/>
+      </p:ext>
+    </p:extLst>
+  </p:cSld>
+  <p:clrMapOvr>
+    <a:masterClrMapping/>
+  </p:clrMapOvr>
+</p:sld>
+</file>
+
+<file path=ppt/slides/slide9.xml><?xml version="1.0" encoding="utf-8"?>
+<p:sld xmlns:a="http://schemas.openxmlformats.org/drawingml/2006/main" xmlns:r="http://schemas.openxmlformats.org/officeDocument/2006/relationships" xmlns:p="http://schemas.openxmlformats.org/presentationml/2006/main">
+  <p:cSld>
+    <p:bg>
+      <p:bgPr>
+        <a:solidFill>
+          <a:srgbClr val="1E1E1E"/>
+        </a:solidFill>
+        <a:effectLst/>
+      </p:bgPr>
+    </p:bg>
+    <p:spTree>
+      <p:nvGrpSpPr>
+        <p:cNvPr id="1" name=""/>
+        <p:cNvGrpSpPr/>
+        <p:nvPr/>
+      </p:nvGrpSpPr>
+      <p:grpSpPr>
+        <a:xfrm>
+          <a:off x="0" y="0"/>
+          <a:ext cx="0" cy="0"/>
+          <a:chOff x="0" y="0"/>
+          <a:chExt cx="0" cy="0"/>
+        </a:xfrm>
+      </p:grpSpPr>
+      <p:sp>
+        <p:nvSpPr>
+          <p:cNvPr id="17" name="TextBox 16">
+            <a:extLst>
+              <a:ext uri="{FF2B5EF4-FFF2-40B4-BE49-F238E27FC236}">
+                <a16:creationId xmlns:a16="http://schemas.microsoft.com/office/drawing/2014/main" id="{46258BF4-9BF1-965C-C3C5-A1826DB4D9EB}"/>
+              </a:ext>
+            </a:extLst>
+          </p:cNvPr>
+          <p:cNvSpPr txBox="1"/>
+          <p:nvPr/>
+        </p:nvSpPr>
+        <p:spPr>
+          <a:xfrm>
+            <a:off x="0" y="66755"/>
+            <a:ext cx="12192000" cy="707886"/>
+          </a:xfrm>
+          <a:prstGeom prst="rect">
+            <a:avLst/>
+          </a:prstGeom>
+          <a:noFill/>
+        </p:spPr>
+        <p:txBody>
+          <a:bodyPr wrap="square">
+            <a:spAutoFit/>
+          </a:bodyPr>
+          <a:lstStyle/>
+          <a:p>
+            <a:pPr algn="ctr"/>
+            <a:r>
+              <a:rPr lang="en-US" sz="4000" dirty="0">
+                <a:solidFill>
+                  <a:srgbClr val="76DBF4"/>
+                </a:solidFill>
+                <a:latin typeface="Century Gothic" panose="020B0502020202020204" pitchFamily="34" charset="0"/>
+              </a:rPr>
+              <a:t>Finally, The Start Button Is Clicked</a:t>
+            </a:r>
+          </a:p>
+        </p:txBody>
+      </p:sp>
+      <p:sp>
+        <p:nvSpPr>
+          <p:cNvPr id="4" name="TextBox 3">
+            <a:extLst>
+              <a:ext uri="{FF2B5EF4-FFF2-40B4-BE49-F238E27FC236}">
+                <a16:creationId xmlns:a16="http://schemas.microsoft.com/office/drawing/2014/main" id="{7012E80B-A0FE-E3F1-EF21-57400FE387FB}"/>
+              </a:ext>
+            </a:extLst>
+          </p:cNvPr>
+          <p:cNvSpPr txBox="1"/>
+          <p:nvPr/>
+        </p:nvSpPr>
+        <p:spPr>
+          <a:xfrm>
+            <a:off x="5713958" y="1859339"/>
+            <a:ext cx="5949418" cy="3139321"/>
+          </a:xfrm>
+          <a:prstGeom prst="rect">
+            <a:avLst/>
+          </a:prstGeom>
+          <a:noFill/>
+        </p:spPr>
+        <p:txBody>
+          <a:bodyPr wrap="square">
+            <a:spAutoFit/>
+          </a:bodyPr>
+          <a:lstStyle/>
+          <a:p>
+            <a:r>
+              <a:rPr lang="en-US" dirty="0">
+                <a:solidFill>
+                  <a:srgbClr val="76DBF4"/>
+                </a:solidFill>
+                <a:latin typeface="Century Gothic" panose="020B0502020202020204" pitchFamily="34" charset="0"/>
+              </a:rPr>
+              <a:t>All players that joined the server and disconnected are removed from the playerList. If there are no players connected the game doesn’t start. A question are sent and after the correct amount of time answers to those questions are sent. After a waiting period the next questions are sent. After all the questions are finished, scores are sent to the still connected players. The scores are displayed for 5 seconds and then every player is disconnected before the server socket is closed. The game can be started again.</a:t>
+            </a:r>
+          </a:p>
+        </p:txBody>
+      </p:sp>
+      <p:pic>
+        <p:nvPicPr>
+          <p:cNvPr id="3" name="Picture 2">
+            <a:extLst>
+              <a:ext uri="{FF2B5EF4-FFF2-40B4-BE49-F238E27FC236}">
+                <a16:creationId xmlns:a16="http://schemas.microsoft.com/office/drawing/2014/main" id="{0F35DEC4-55AC-44C5-02C4-DF1193AE9B2C}"/>
+              </a:ext>
+            </a:extLst>
+          </p:cNvPr>
+          <p:cNvPicPr>
+            <a:picLocks noChangeAspect="1"/>
+          </p:cNvPicPr>
+          <p:nvPr/>
+        </p:nvPicPr>
+        <p:blipFill>
+          <a:blip r:embed="rId3"/>
+          <a:stretch>
+            <a:fillRect/>
+          </a:stretch>
+        </p:blipFill>
+        <p:spPr>
+          <a:xfrm>
+            <a:off x="250613" y="774640"/>
+            <a:ext cx="5463345" cy="6017062"/>
+          </a:xfrm>
+          <a:prstGeom prst="rect">
+            <a:avLst/>
+          </a:prstGeom>
+        </p:spPr>
+      </p:pic>
+    </p:spTree>
+    <p:extLst>
+      <p:ext uri="{BB962C8B-B14F-4D97-AF65-F5344CB8AC3E}">
+        <p14:creationId xmlns:p14="http://schemas.microsoft.com/office/powerpoint/2010/main" val="653382929"/>
       </p:ext>
     </p:extLst>
   </p:cSld>
